--- a/Final Presentation Group 4 Job Market Trends.pptx
+++ b/Final Presentation Group 4 Job Market Trends.pptx
@@ -27,42 +27,41 @@
     <p:sldId id="272" r:id="rId23"/>
     <p:sldId id="273" r:id="rId24"/>
     <p:sldId id="274" r:id="rId25"/>
-    <p:sldId id="275" r:id="rId26"/>
   </p:sldIdLst>
   <p:sldSz cy="5143500" cx="9144000"/>
   <p:notesSz cx="6858000" cy="9144000"/>
   <p:embeddedFontLst>
     <p:embeddedFont>
       <p:font typeface="Montserrat SemiBold"/>
-      <p:regular r:id="rId27"/>
-      <p:bold r:id="rId28"/>
-      <p:italic r:id="rId29"/>
-      <p:boldItalic r:id="rId30"/>
+      <p:regular r:id="rId26"/>
+      <p:bold r:id="rId27"/>
+      <p:italic r:id="rId28"/>
+      <p:boldItalic r:id="rId29"/>
     </p:embeddedFont>
     <p:embeddedFont>
       <p:font typeface="Raleway"/>
-      <p:regular r:id="rId31"/>
-      <p:bold r:id="rId32"/>
-      <p:italic r:id="rId33"/>
-      <p:boldItalic r:id="rId34"/>
+      <p:regular r:id="rId30"/>
+      <p:bold r:id="rId31"/>
+      <p:italic r:id="rId32"/>
+      <p:boldItalic r:id="rId33"/>
     </p:embeddedFont>
     <p:embeddedFont>
       <p:font typeface="Montserrat"/>
-      <p:regular r:id="rId35"/>
-      <p:bold r:id="rId36"/>
-      <p:italic r:id="rId37"/>
-      <p:boldItalic r:id="rId38"/>
+      <p:regular r:id="rId34"/>
+      <p:bold r:id="rId35"/>
+      <p:italic r:id="rId36"/>
+      <p:boldItalic r:id="rId37"/>
     </p:embeddedFont>
     <p:embeddedFont>
       <p:font typeface="Questrial"/>
-      <p:regular r:id="rId39"/>
+      <p:regular r:id="rId38"/>
     </p:embeddedFont>
     <p:embeddedFont>
       <p:font typeface="Open Sans"/>
-      <p:regular r:id="rId40"/>
-      <p:bold r:id="rId41"/>
-      <p:italic r:id="rId42"/>
-      <p:boldItalic r:id="rId43"/>
+      <p:regular r:id="rId39"/>
+      <p:bold r:id="rId40"/>
+      <p:italic r:id="rId41"/>
+      <p:boldItalic r:id="rId42"/>
     </p:embeddedFont>
   </p:embeddedFontLst>
   <p:defaultTextStyle>
@@ -316,7 +315,6 @@
 <file path=ppt/commentAuthors.xml><?xml version="1.0" encoding="utf-8"?>
 <p:cmAuthorLst xmlns:a="http://schemas.openxmlformats.org/drawingml/2006/main" xmlns:r="http://schemas.openxmlformats.org/officeDocument/2006/relationships" xmlns:mc="http://schemas.openxmlformats.org/markup-compatibility/2006" xmlns:mv="urn:schemas-microsoft-com:mac:vml" xmlns:p="http://schemas.openxmlformats.org/presentationml/2006/main" xmlns:c="http://schemas.openxmlformats.org/drawingml/2006/chart" xmlns:dgm="http://schemas.openxmlformats.org/drawingml/2006/diagram" xmlns:o="urn:schemas-microsoft-com:office:office" xmlns:v="urn:schemas-microsoft-com:vml" xmlns:pvml="urn:schemas-microsoft-com:office:powerpoint" xmlns:com="http://schemas.openxmlformats.org/drawingml/2006/compatibility" xmlns:p14="http://schemas.microsoft.com/office/powerpoint/2010/main" xmlns:p15="http://schemas.microsoft.com/office/powerpoint/2012/main" xmlns:ahyp="http://schemas.microsoft.com/office/drawing/2018/hyperlinkcolor">
   <p:cmAuthor clrIdx="0" id="0" initials="" lastIdx="1" name="Jiyoon Lee"/>
-  <p:cmAuthor clrIdx="1" id="1" initials="" lastIdx="1" name="Mayuka Kothuru"/>
 </p:cmAuthorLst>
 </file>
 
@@ -332,15 +330,6 @@
 -evaluation
 -deployment
 -discussion</p:text>
-  </p:cm>
-</p:cmLst>
-</file>
-
-<file path=ppt/comments/comment2.xml><?xml version="1.0" encoding="utf-8"?>
-<p:cmLst xmlns:a="http://schemas.openxmlformats.org/drawingml/2006/main" xmlns:r="http://schemas.openxmlformats.org/officeDocument/2006/relationships" xmlns:mc="http://schemas.openxmlformats.org/markup-compatibility/2006" xmlns:mv="urn:schemas-microsoft-com:mac:vml" xmlns:p="http://schemas.openxmlformats.org/presentationml/2006/main" xmlns:c="http://schemas.openxmlformats.org/drawingml/2006/chart" xmlns:dgm="http://schemas.openxmlformats.org/drawingml/2006/diagram" xmlns:o="urn:schemas-microsoft-com:office:office" xmlns:v="urn:schemas-microsoft-com:vml" xmlns:pvml="urn:schemas-microsoft-com:office:powerpoint" xmlns:com="http://schemas.openxmlformats.org/drawingml/2006/compatibility" xmlns:p14="http://schemas.microsoft.com/office/powerpoint/2010/main" xmlns:p15="http://schemas.microsoft.com/office/powerpoint/2012/main" xmlns:ahyp="http://schemas.microsoft.com/office/drawing/2018/hyperlinkcolor">
-  <p:cm authorId="1" idx="1" dt="2024-12-05T04:18:52.460">
-    <p:pos x="6000" y="0"/>
-    <p:text>Same as slide 17(overall key trends)</p:text>
   </p:cm>
 </p:cmLst>
 </file>
@@ -875,7 +864,7 @@
   <p:cSld>
     <p:spTree>
       <p:nvGrpSpPr>
-        <p:cNvPr id="410" name="Shape 410"/>
+        <p:cNvPr id="409" name="Shape 409"/>
         <p:cNvGrpSpPr/>
         <p:nvPr/>
       </p:nvGrpSpPr>
@@ -889,7 +878,7 @@
       </p:grpSpPr>
       <p:sp>
         <p:nvSpPr>
-          <p:cNvPr id="411" name="Google Shape;411;g31c2fe08cbb_7_6:notes"/>
+          <p:cNvPr id="410" name="Google Shape;410;g31c2fe08cbb_7_14:notes"/>
           <p:cNvSpPr/>
           <p:nvPr>
             <p:ph idx="2" type="sldImg"/>
@@ -924,7 +913,7 @@
       </p:sp>
       <p:sp>
         <p:nvSpPr>
-          <p:cNvPr id="412" name="Google Shape;412;g31c2fe08cbb_7_6:notes"/>
+          <p:cNvPr id="411" name="Google Shape;411;g31c2fe08cbb_7_14:notes"/>
           <p:cNvSpPr txBox="1"/>
           <p:nvPr>
             <p:ph idx="1" type="body"/>
@@ -988,7 +977,7 @@
       </p:grpSpPr>
       <p:sp>
         <p:nvSpPr>
-          <p:cNvPr id="417" name="Google Shape;417;g31c2fe08cbb_7_14:notes"/>
+          <p:cNvPr id="417" name="Google Shape;417;g31c2fe08cbb_8_8:notes"/>
           <p:cNvSpPr/>
           <p:nvPr>
             <p:ph idx="2" type="sldImg"/>
@@ -1023,7 +1012,7 @@
       </p:sp>
       <p:sp>
         <p:nvSpPr>
-          <p:cNvPr id="418" name="Google Shape;418;g31c2fe08cbb_7_14:notes"/>
+          <p:cNvPr id="418" name="Google Shape;418;g31c2fe08cbb_8_8:notes"/>
           <p:cNvSpPr txBox="1"/>
           <p:nvPr>
             <p:ph idx="1" type="body"/>
@@ -1073,7 +1062,7 @@
   <p:cSld>
     <p:spTree>
       <p:nvGrpSpPr>
-        <p:cNvPr id="423" name="Shape 423"/>
+        <p:cNvPr id="422" name="Shape 422"/>
         <p:cNvGrpSpPr/>
         <p:nvPr/>
       </p:nvGrpSpPr>
@@ -1087,7 +1076,7 @@
       </p:grpSpPr>
       <p:sp>
         <p:nvSpPr>
-          <p:cNvPr id="424" name="Google Shape;424;g31c2fe08cbb_8_8:notes"/>
+          <p:cNvPr id="423" name="Google Shape;423;g31c2fe08cbb_8_30:notes"/>
           <p:cNvSpPr/>
           <p:nvPr>
             <p:ph idx="2" type="sldImg"/>
@@ -1122,7 +1111,7 @@
       </p:sp>
       <p:sp>
         <p:nvSpPr>
-          <p:cNvPr id="425" name="Google Shape;425;g31c2fe08cbb_8_8:notes"/>
+          <p:cNvPr id="424" name="Google Shape;424;g31c2fe08cbb_8_30:notes"/>
           <p:cNvSpPr txBox="1"/>
           <p:nvPr>
             <p:ph idx="1" type="body"/>
@@ -1186,7 +1175,7 @@
       </p:grpSpPr>
       <p:sp>
         <p:nvSpPr>
-          <p:cNvPr id="430" name="Google Shape;430;g31c2fe08cbb_8_30:notes"/>
+          <p:cNvPr id="430" name="Google Shape;430;g31c2fe08cbb_7_18:notes"/>
           <p:cNvSpPr/>
           <p:nvPr>
             <p:ph idx="2" type="sldImg"/>
@@ -1221,7 +1210,7 @@
       </p:sp>
       <p:sp>
         <p:nvSpPr>
-          <p:cNvPr id="431" name="Google Shape;431;g31c2fe08cbb_8_30:notes"/>
+          <p:cNvPr id="431" name="Google Shape;431;g31c2fe08cbb_7_18:notes"/>
           <p:cNvSpPr txBox="1"/>
           <p:nvPr>
             <p:ph idx="1" type="body"/>
@@ -1271,7 +1260,7 @@
   <p:cSld>
     <p:spTree>
       <p:nvGrpSpPr>
-        <p:cNvPr id="436" name="Shape 436"/>
+        <p:cNvPr id="435" name="Shape 435"/>
         <p:cNvGrpSpPr/>
         <p:nvPr/>
       </p:nvGrpSpPr>
@@ -1285,7 +1274,7 @@
       </p:grpSpPr>
       <p:sp>
         <p:nvSpPr>
-          <p:cNvPr id="437" name="Google Shape;437;g31c2fe08cbb_7_18:notes"/>
+          <p:cNvPr id="436" name="Google Shape;436;g31c2fe08cbb_7_22:notes"/>
           <p:cNvSpPr/>
           <p:nvPr>
             <p:ph idx="2" type="sldImg"/>
@@ -1320,7 +1309,7 @@
       </p:sp>
       <p:sp>
         <p:nvSpPr>
-          <p:cNvPr id="438" name="Google Shape;438;g31c2fe08cbb_7_18:notes"/>
+          <p:cNvPr id="437" name="Google Shape;437;g31c2fe08cbb_7_22:notes"/>
           <p:cNvSpPr txBox="1"/>
           <p:nvPr>
             <p:ph idx="1" type="body"/>
@@ -1384,7 +1373,7 @@
       </p:grpSpPr>
       <p:sp>
         <p:nvSpPr>
-          <p:cNvPr id="443" name="Google Shape;443;g31c2fe08cbb_7_22:notes"/>
+          <p:cNvPr id="443" name="Google Shape;443;g31c2fe08cbb_8_20:notes"/>
           <p:cNvSpPr/>
           <p:nvPr>
             <p:ph idx="2" type="sldImg"/>
@@ -1419,7 +1408,7 @@
       </p:sp>
       <p:sp>
         <p:nvSpPr>
-          <p:cNvPr id="444" name="Google Shape;444;g31c2fe08cbb_7_22:notes"/>
+          <p:cNvPr id="444" name="Google Shape;444;g31c2fe08cbb_8_20:notes"/>
           <p:cNvSpPr txBox="1"/>
           <p:nvPr>
             <p:ph idx="1" type="body"/>
@@ -1469,7 +1458,7 @@
   <p:cSld>
     <p:spTree>
       <p:nvGrpSpPr>
-        <p:cNvPr id="449" name="Shape 449"/>
+        <p:cNvPr id="448" name="Shape 448"/>
         <p:cNvGrpSpPr/>
         <p:nvPr/>
       </p:nvGrpSpPr>
@@ -1483,7 +1472,7 @@
       </p:grpSpPr>
       <p:sp>
         <p:nvSpPr>
-          <p:cNvPr id="450" name="Google Shape;450;g31c2fe08cbb_8_20:notes"/>
+          <p:cNvPr id="449" name="Google Shape;449;g31ab34182ea_0_25:notes"/>
           <p:cNvSpPr/>
           <p:nvPr>
             <p:ph idx="2" type="sldImg"/>
@@ -1518,7 +1507,7 @@
       </p:sp>
       <p:sp>
         <p:nvSpPr>
-          <p:cNvPr id="451" name="Google Shape;451;g31c2fe08cbb_8_20:notes"/>
+          <p:cNvPr id="450" name="Google Shape;450;g31ab34182ea_0_25:notes"/>
           <p:cNvSpPr txBox="1"/>
           <p:nvPr>
             <p:ph idx="1" type="body"/>
@@ -1549,7 +1538,8 @@
               <a:buNone/>
             </a:pPr>
             <a:r>
-              <a:t/>
+              <a:rPr lang="en"/>
+              <a:t>Population Distribution: largest workforce out of the 109M population is contributed by Protective Services</a:t>
             </a:r>
             <a:endParaRPr/>
           </a:p>
@@ -1568,7 +1558,7 @@
   <p:cSld>
     <p:spTree>
       <p:nvGrpSpPr>
-        <p:cNvPr id="455" name="Shape 455"/>
+        <p:cNvPr id="454" name="Shape 454"/>
         <p:cNvGrpSpPr/>
         <p:nvPr/>
       </p:nvGrpSpPr>
@@ -1582,7 +1572,7 @@
       </p:grpSpPr>
       <p:sp>
         <p:nvSpPr>
-          <p:cNvPr id="456" name="Google Shape;456;g31ab34182ea_0_25:notes"/>
+          <p:cNvPr id="455" name="Google Shape;455;g31c2fe08cbb_7_29:notes"/>
           <p:cNvSpPr/>
           <p:nvPr>
             <p:ph idx="2" type="sldImg"/>
@@ -1617,7 +1607,7 @@
       </p:sp>
       <p:sp>
         <p:nvSpPr>
-          <p:cNvPr id="457" name="Google Shape;457;g31ab34182ea_0_25:notes"/>
+          <p:cNvPr id="456" name="Google Shape;456;g31c2fe08cbb_7_29:notes"/>
           <p:cNvSpPr txBox="1"/>
           <p:nvPr>
             <p:ph idx="1" type="body"/>
@@ -1648,8 +1638,7 @@
               <a:buNone/>
             </a:pPr>
             <a:r>
-              <a:rPr lang="en"/>
-              <a:t>Population Distribution: largest workforce out of the 109M population is contributed by Protective Services</a:t>
+              <a:t/>
             </a:r>
             <a:endParaRPr/>
           </a:p>
@@ -1682,7 +1671,7 @@
       </p:grpSpPr>
       <p:sp>
         <p:nvSpPr>
-          <p:cNvPr id="462" name="Google Shape;462;g31c2fe08cbb_7_29:notes"/>
+          <p:cNvPr id="462" name="Google Shape;462;g31ab34182ea_0_29:notes"/>
           <p:cNvSpPr/>
           <p:nvPr>
             <p:ph idx="2" type="sldImg"/>
@@ -1717,7 +1706,7 @@
       </p:sp>
       <p:sp>
         <p:nvSpPr>
-          <p:cNvPr id="463" name="Google Shape;463;g31c2fe08cbb_7_29:notes"/>
+          <p:cNvPr id="463" name="Google Shape;463;g31ab34182ea_0_29:notes"/>
           <p:cNvSpPr txBox="1"/>
           <p:nvPr>
             <p:ph idx="1" type="body"/>
@@ -1767,7 +1756,7 @@
   <p:cSld>
     <p:spTree>
       <p:nvGrpSpPr>
-        <p:cNvPr id="468" name="Shape 468"/>
+        <p:cNvPr id="467" name="Shape 467"/>
         <p:cNvGrpSpPr/>
         <p:nvPr/>
       </p:nvGrpSpPr>
@@ -1781,7 +1770,7 @@
       </p:grpSpPr>
       <p:sp>
         <p:nvSpPr>
-          <p:cNvPr id="469" name="Google Shape;469;g31ab34182ea_0_29:notes"/>
+          <p:cNvPr id="468" name="Google Shape;468;g3123bfb400b_1_5:notes"/>
           <p:cNvSpPr/>
           <p:nvPr>
             <p:ph idx="2" type="sldImg"/>
@@ -1816,7 +1805,7 @@
       </p:sp>
       <p:sp>
         <p:nvSpPr>
-          <p:cNvPr id="470" name="Google Shape;470;g31ab34182ea_0_29:notes"/>
+          <p:cNvPr id="469" name="Google Shape;469;g3123bfb400b_1_5:notes"/>
           <p:cNvSpPr txBox="1"/>
           <p:nvPr>
             <p:ph idx="1" type="body"/>
@@ -2002,105 +1991,6 @@
 </p:notes>
 </file>
 
-<file path=ppt/notesSlides/notesSlide20.xml><?xml version="1.0" encoding="utf-8"?>
-<p:notes xmlns:a="http://schemas.openxmlformats.org/drawingml/2006/main" xmlns:r="http://schemas.openxmlformats.org/officeDocument/2006/relationships" xmlns:mc="http://schemas.openxmlformats.org/markup-compatibility/2006" xmlns:mv="urn:schemas-microsoft-com:mac:vml" xmlns:p="http://schemas.openxmlformats.org/presentationml/2006/main" xmlns:c="http://schemas.openxmlformats.org/drawingml/2006/chart" xmlns:dgm="http://schemas.openxmlformats.org/drawingml/2006/diagram" xmlns:o="urn:schemas-microsoft-com:office:office" xmlns:v="urn:schemas-microsoft-com:vml" xmlns:pvml="urn:schemas-microsoft-com:office:powerpoint" xmlns:com="http://schemas.openxmlformats.org/drawingml/2006/compatibility" xmlns:p14="http://schemas.microsoft.com/office/powerpoint/2010/main" xmlns:p15="http://schemas.microsoft.com/office/powerpoint/2012/main" xmlns:ahyp="http://schemas.microsoft.com/office/drawing/2018/hyperlinkcolor" showMasterPhAnim="0" showMasterSp="0">
-  <p:cSld>
-    <p:spTree>
-      <p:nvGrpSpPr>
-        <p:cNvPr id="474" name="Shape 474"/>
-        <p:cNvGrpSpPr/>
-        <p:nvPr/>
-      </p:nvGrpSpPr>
-      <p:grpSpPr>
-        <a:xfrm>
-          <a:off x="0" y="0"/>
-          <a:ext cx="0" cy="0"/>
-          <a:chOff x="0" y="0"/>
-          <a:chExt cx="0" cy="0"/>
-        </a:xfrm>
-      </p:grpSpPr>
-      <p:sp>
-        <p:nvSpPr>
-          <p:cNvPr id="475" name="Google Shape;475;g3123bfb400b_1_5:notes"/>
-          <p:cNvSpPr/>
-          <p:nvPr>
-            <p:ph idx="2" type="sldImg"/>
-          </p:nvPr>
-        </p:nvSpPr>
-        <p:spPr>
-          <a:xfrm>
-            <a:off x="381300" y="685800"/>
-            <a:ext cx="6096000" cy="3429000"/>
-          </a:xfrm>
-          <a:custGeom>
-            <a:rect b="b" l="l" r="r" t="t"/>
-            <a:pathLst>
-              <a:path extrusionOk="0" h="120000" w="120000">
-                <a:moveTo>
-                  <a:pt x="0" y="0"/>
-                </a:moveTo>
-                <a:lnTo>
-                  <a:pt x="120000" y="0"/>
-                </a:lnTo>
-                <a:lnTo>
-                  <a:pt x="120000" y="120000"/>
-                </a:lnTo>
-                <a:lnTo>
-                  <a:pt x="0" y="120000"/>
-                </a:lnTo>
-                <a:close/>
-              </a:path>
-            </a:pathLst>
-          </a:custGeom>
-        </p:spPr>
-      </p:sp>
-      <p:sp>
-        <p:nvSpPr>
-          <p:cNvPr id="476" name="Google Shape;476;g3123bfb400b_1_5:notes"/>
-          <p:cNvSpPr txBox="1"/>
-          <p:nvPr>
-            <p:ph idx="1" type="body"/>
-          </p:nvPr>
-        </p:nvSpPr>
-        <p:spPr>
-          <a:xfrm>
-            <a:off x="685800" y="4343400"/>
-            <a:ext cx="5486400" cy="4114800"/>
-          </a:xfrm>
-          <a:prstGeom prst="rect">
-            <a:avLst/>
-          </a:prstGeom>
-        </p:spPr>
-        <p:txBody>
-          <a:bodyPr anchorCtr="0" anchor="t" bIns="91425" lIns="91425" spcFirstLastPara="1" rIns="91425" wrap="square" tIns="91425">
-            <a:noAutofit/>
-          </a:bodyPr>
-          <a:lstStyle/>
-          <a:p>
-            <a:pPr indent="0" lvl="0" marL="0" rtl="0" algn="l">
-              <a:spcBef>
-                <a:spcPts val="0"/>
-              </a:spcBef>
-              <a:spcAft>
-                <a:spcPts val="0"/>
-              </a:spcAft>
-              <a:buNone/>
-            </a:pPr>
-            <a:r>
-              <a:t/>
-            </a:r>
-            <a:endParaRPr/>
-          </a:p>
-        </p:txBody>
-      </p:sp>
-    </p:spTree>
-  </p:cSld>
-  <p:clrMapOvr>
-    <a:masterClrMapping/>
-  </p:clrMapOvr>
-</p:notes>
-</file>
-
 <file path=ppt/notesSlides/notesSlide3.xml><?xml version="1.0" encoding="utf-8"?>
 <p:notes xmlns:a="http://schemas.openxmlformats.org/drawingml/2006/main" xmlns:r="http://schemas.openxmlformats.org/officeDocument/2006/relationships" xmlns:mc="http://schemas.openxmlformats.org/markup-compatibility/2006" xmlns:mv="urn:schemas-microsoft-com:mac:vml" xmlns:p="http://schemas.openxmlformats.org/presentationml/2006/main" xmlns:c="http://schemas.openxmlformats.org/drawingml/2006/chart" xmlns:dgm="http://schemas.openxmlformats.org/drawingml/2006/diagram" xmlns:o="urn:schemas-microsoft-com:office:office" xmlns:v="urn:schemas-microsoft-com:vml" xmlns:pvml="urn:schemas-microsoft-com:office:powerpoint" xmlns:com="http://schemas.openxmlformats.org/drawingml/2006/compatibility" xmlns:p14="http://schemas.microsoft.com/office/powerpoint/2010/main" xmlns:p15="http://schemas.microsoft.com/office/powerpoint/2012/main" xmlns:ahyp="http://schemas.microsoft.com/office/drawing/2018/hyperlinkcolor" showMasterPhAnim="0" showMasterSp="0">
   <p:cSld>
@@ -2516,7 +2406,7 @@
       </p:grpSpPr>
       <p:sp>
         <p:nvSpPr>
-          <p:cNvPr id="393" name="Google Shape;393;g31c2fe08cbb_8_41:notes"/>
+          <p:cNvPr id="393" name="Google Shape;393;g31ab34182ea_0_13:notes"/>
           <p:cNvSpPr/>
           <p:nvPr>
             <p:ph idx="2" type="sldImg"/>
@@ -2551,7 +2441,7 @@
       </p:sp>
       <p:sp>
         <p:nvSpPr>
-          <p:cNvPr id="394" name="Google Shape;394;g31c2fe08cbb_8_41:notes"/>
+          <p:cNvPr id="394" name="Google Shape;394;g31ab34182ea_0_13:notes"/>
           <p:cNvSpPr txBox="1"/>
           <p:nvPr>
             <p:ph idx="1" type="body"/>
@@ -2601,7 +2491,7 @@
   <p:cSld>
     <p:spTree>
       <p:nvGrpSpPr>
-        <p:cNvPr id="399" name="Shape 399"/>
+        <p:cNvPr id="398" name="Shape 398"/>
         <p:cNvGrpSpPr/>
         <p:nvPr/>
       </p:nvGrpSpPr>
@@ -2615,7 +2505,7 @@
       </p:grpSpPr>
       <p:sp>
         <p:nvSpPr>
-          <p:cNvPr id="400" name="Google Shape;400;g31ab34182ea_0_13:notes"/>
+          <p:cNvPr id="399" name="Google Shape;399;g31ab34182ea_0_9:notes"/>
           <p:cNvSpPr/>
           <p:nvPr>
             <p:ph idx="2" type="sldImg"/>
@@ -2650,7 +2540,7 @@
       </p:sp>
       <p:sp>
         <p:nvSpPr>
-          <p:cNvPr id="401" name="Google Shape;401;g31ab34182ea_0_13:notes"/>
+          <p:cNvPr id="400" name="Google Shape;400;g31ab34182ea_0_9:notes"/>
           <p:cNvSpPr txBox="1"/>
           <p:nvPr>
             <p:ph idx="1" type="body"/>
@@ -2700,7 +2590,7 @@
   <p:cSld>
     <p:spTree>
       <p:nvGrpSpPr>
-        <p:cNvPr id="405" name="Shape 405"/>
+        <p:cNvPr id="403" name="Shape 403"/>
         <p:cNvGrpSpPr/>
         <p:nvPr/>
       </p:nvGrpSpPr>
@@ -2714,7 +2604,7 @@
       </p:grpSpPr>
       <p:sp>
         <p:nvSpPr>
-          <p:cNvPr id="406" name="Google Shape;406;g31ab34182ea_0_9:notes"/>
+          <p:cNvPr id="404" name="Google Shape;404;g31c2fe08cbb_7_6:notes"/>
           <p:cNvSpPr/>
           <p:nvPr>
             <p:ph idx="2" type="sldImg"/>
@@ -2749,7 +2639,7 @@
       </p:sp>
       <p:sp>
         <p:nvSpPr>
-          <p:cNvPr id="407" name="Google Shape;407;g31ab34182ea_0_9:notes"/>
+          <p:cNvPr id="405" name="Google Shape;405;g31c2fe08cbb_7_6:notes"/>
           <p:cNvSpPr txBox="1"/>
           <p:nvPr>
             <p:ph idx="1" type="body"/>
@@ -26267,7 +26157,7 @@
   <p:cSld>
     <p:spTree>
       <p:nvGrpSpPr>
-        <p:cNvPr id="413" name="Shape 413"/>
+        <p:cNvPr id="412" name="Shape 412"/>
         <p:cNvGrpSpPr/>
         <p:nvPr/>
       </p:nvGrpSpPr>
@@ -26281,7 +26171,7 @@
       </p:grpSpPr>
       <p:sp>
         <p:nvSpPr>
-          <p:cNvPr id="414" name="Google Shape;414;p35"/>
+          <p:cNvPr id="413" name="Google Shape;413;p35"/>
           <p:cNvSpPr txBox="1"/>
           <p:nvPr>
             <p:ph type="title"/>
@@ -26289,7 +26179,7 @@
         </p:nvSpPr>
         <p:spPr>
           <a:xfrm>
-            <a:off x="720000" y="430375"/>
+            <a:off x="1204950" y="283350"/>
             <a:ext cx="7704000" cy="572700"/>
           </a:xfrm>
           <a:prstGeom prst="rect">
@@ -26312,16 +26202,16 @@
               <a:buNone/>
             </a:pPr>
             <a:r>
-              <a:rPr lang="en"/>
+              <a:rPr lang="en" sz="2600"/>
               <a:t>Management, Business, Science &amp; Art</a:t>
             </a:r>
-            <a:endParaRPr/>
+            <a:endParaRPr sz="2600"/>
           </a:p>
         </p:txBody>
       </p:sp>
       <p:pic>
         <p:nvPicPr>
-          <p:cNvPr id="415" name="Google Shape;415;p35"/>
+          <p:cNvPr id="414" name="Google Shape;414;p35"/>
           <p:cNvPicPr preferRelativeResize="0"/>
           <p:nvPr/>
         </p:nvPicPr>
@@ -26335,8 +26225,36 @@
         </p:blipFill>
         <p:spPr>
           <a:xfrm>
-            <a:off x="338138" y="1003075"/>
-            <a:ext cx="8467725" cy="3314700"/>
+            <a:off x="2187425" y="2903675"/>
+            <a:ext cx="4769150" cy="2059725"/>
+          </a:xfrm>
+          <a:prstGeom prst="rect">
+            <a:avLst/>
+          </a:prstGeom>
+          <a:noFill/>
+          <a:ln>
+            <a:noFill/>
+          </a:ln>
+        </p:spPr>
+      </p:pic>
+      <p:pic>
+        <p:nvPicPr>
+          <p:cNvPr id="415" name="Google Shape;415;p35"/>
+          <p:cNvPicPr preferRelativeResize="0"/>
+          <p:nvPr/>
+        </p:nvPicPr>
+        <p:blipFill>
+          <a:blip r:embed="rId4">
+            <a:alphaModFix/>
+          </a:blip>
+          <a:stretch>
+            <a:fillRect/>
+          </a:stretch>
+        </p:blipFill>
+        <p:spPr>
+          <a:xfrm>
+            <a:off x="2198213" y="782550"/>
+            <a:ext cx="4747573" cy="2059725"/>
           </a:xfrm>
           <a:prstGeom prst="rect">
             <a:avLst/>
@@ -26382,8 +26300,8 @@
         </p:nvSpPr>
         <p:spPr>
           <a:xfrm>
-            <a:off x="1204950" y="283350"/>
-            <a:ext cx="7704000" cy="572700"/>
+            <a:off x="161700" y="312750"/>
+            <a:ext cx="8982300" cy="572700"/>
           </a:xfrm>
           <a:prstGeom prst="rect">
             <a:avLst/>
@@ -26405,10 +26323,10 @@
               <a:buNone/>
             </a:pPr>
             <a:r>
-              <a:rPr lang="en" sz="2600"/>
-              <a:t>Management, Business, Science &amp; Art</a:t>
+              <a:rPr lang="en" sz="2800"/>
+              <a:t>Natural resources, Construction &amp; Maintenance</a:t>
             </a:r>
-            <a:endParaRPr sz="2600"/>
+            <a:endParaRPr sz="2800"/>
           </a:p>
         </p:txBody>
       </p:sp>
@@ -26428,36 +26346,8 @@
         </p:blipFill>
         <p:spPr>
           <a:xfrm>
-            <a:off x="2187425" y="2903675"/>
-            <a:ext cx="4769150" cy="2059725"/>
-          </a:xfrm>
-          <a:prstGeom prst="rect">
-            <a:avLst/>
-          </a:prstGeom>
-          <a:noFill/>
-          <a:ln>
-            <a:noFill/>
-          </a:ln>
-        </p:spPr>
-      </p:pic>
-      <p:pic>
-        <p:nvPicPr>
-          <p:cNvPr id="422" name="Google Shape;422;p36"/>
-          <p:cNvPicPr preferRelativeResize="0"/>
-          <p:nvPr/>
-        </p:nvPicPr>
-        <p:blipFill>
-          <a:blip r:embed="rId4">
-            <a:alphaModFix/>
-          </a:blip>
-          <a:stretch>
-            <a:fillRect/>
-          </a:stretch>
-        </p:blipFill>
-        <p:spPr>
-          <a:xfrm>
-            <a:off x="2198213" y="782550"/>
-            <a:ext cx="4747573" cy="2059725"/>
+            <a:off x="431625" y="1562325"/>
+            <a:ext cx="8043700" cy="2018850"/>
           </a:xfrm>
           <a:prstGeom prst="rect">
             <a:avLst/>
@@ -26481,7 +26371,7 @@
   <p:cSld>
     <p:spTree>
       <p:nvGrpSpPr>
-        <p:cNvPr id="426" name="Shape 426"/>
+        <p:cNvPr id="425" name="Shape 425"/>
         <p:cNvGrpSpPr/>
         <p:nvPr/>
       </p:nvGrpSpPr>
@@ -26495,7 +26385,7 @@
       </p:grpSpPr>
       <p:sp>
         <p:nvSpPr>
-          <p:cNvPr id="427" name="Google Shape;427;p37"/>
+          <p:cNvPr id="426" name="Google Shape;426;p37"/>
           <p:cNvSpPr txBox="1"/>
           <p:nvPr>
             <p:ph type="title"/>
@@ -26503,7 +26393,7 @@
         </p:nvSpPr>
         <p:spPr>
           <a:xfrm>
-            <a:off x="161700" y="312750"/>
+            <a:off x="161700" y="445025"/>
             <a:ext cx="8982300" cy="572700"/>
           </a:xfrm>
           <a:prstGeom prst="rect">
@@ -26535,7 +26425,7 @@
       </p:sp>
       <p:pic>
         <p:nvPicPr>
-          <p:cNvPr id="428" name="Google Shape;428;p37"/>
+          <p:cNvPr id="427" name="Google Shape;427;p37"/>
           <p:cNvPicPr preferRelativeResize="0"/>
           <p:nvPr/>
         </p:nvPicPr>
@@ -26549,8 +26439,36 @@
         </p:blipFill>
         <p:spPr>
           <a:xfrm>
-            <a:off x="431625" y="1562325"/>
-            <a:ext cx="8043700" cy="2018850"/>
+            <a:off x="284650" y="1459277"/>
+            <a:ext cx="4184625" cy="2332225"/>
+          </a:xfrm>
+          <a:prstGeom prst="rect">
+            <a:avLst/>
+          </a:prstGeom>
+          <a:noFill/>
+          <a:ln>
+            <a:noFill/>
+          </a:ln>
+        </p:spPr>
+      </p:pic>
+      <p:pic>
+        <p:nvPicPr>
+          <p:cNvPr id="428" name="Google Shape;428;p37"/>
+          <p:cNvPicPr preferRelativeResize="0"/>
+          <p:nvPr/>
+        </p:nvPicPr>
+        <p:blipFill>
+          <a:blip r:embed="rId4">
+            <a:alphaModFix/>
+          </a:blip>
+          <a:stretch>
+            <a:fillRect/>
+          </a:stretch>
+        </p:blipFill>
+        <p:spPr>
+          <a:xfrm>
+            <a:off x="4688078" y="1464025"/>
+            <a:ext cx="4372922" cy="2332225"/>
           </a:xfrm>
           <a:prstGeom prst="rect">
             <a:avLst/>
@@ -26596,8 +26514,8 @@
         </p:nvSpPr>
         <p:spPr>
           <a:xfrm>
-            <a:off x="161700" y="445025"/>
-            <a:ext cx="8982300" cy="572700"/>
+            <a:off x="720000" y="298075"/>
+            <a:ext cx="7704000" cy="572700"/>
           </a:xfrm>
           <a:prstGeom prst="rect">
             <a:avLst/>
@@ -26609,7 +26527,7 @@
           </a:bodyPr>
           <a:lstStyle/>
           <a:p>
-            <a:pPr indent="0" lvl="0" marL="0" rtl="0" algn="l">
+            <a:pPr indent="0" lvl="0" marL="0" rtl="0" algn="ctr">
               <a:spcBef>
                 <a:spcPts val="0"/>
               </a:spcBef>
@@ -26620,7 +26538,7 @@
             </a:pPr>
             <a:r>
               <a:rPr lang="en" sz="2800"/>
-              <a:t>Natural resources, Construction &amp; Maintenance</a:t>
+              <a:t>Production &amp; Transportation</a:t>
             </a:r>
             <a:endParaRPr sz="2800"/>
           </a:p>
@@ -26642,36 +26560,8 @@
         </p:blipFill>
         <p:spPr>
           <a:xfrm>
-            <a:off x="284650" y="1459277"/>
-            <a:ext cx="4184625" cy="2332225"/>
-          </a:xfrm>
-          <a:prstGeom prst="rect">
-            <a:avLst/>
-          </a:prstGeom>
-          <a:noFill/>
-          <a:ln>
-            <a:noFill/>
-          </a:ln>
-        </p:spPr>
-      </p:pic>
-      <p:pic>
-        <p:nvPicPr>
-          <p:cNvPr id="435" name="Google Shape;435;p38"/>
-          <p:cNvPicPr preferRelativeResize="0"/>
-          <p:nvPr/>
-        </p:nvPicPr>
-        <p:blipFill>
-          <a:blip r:embed="rId4">
-            <a:alphaModFix/>
-          </a:blip>
-          <a:stretch>
-            <a:fillRect/>
-          </a:stretch>
-        </p:blipFill>
-        <p:spPr>
-          <a:xfrm>
-            <a:off x="4688078" y="1464025"/>
-            <a:ext cx="4372922" cy="2332225"/>
+            <a:off x="843100" y="870775"/>
+            <a:ext cx="7641951" cy="3820975"/>
           </a:xfrm>
           <a:prstGeom prst="rect">
             <a:avLst/>
@@ -26695,7 +26585,7 @@
   <p:cSld>
     <p:spTree>
       <p:nvGrpSpPr>
-        <p:cNvPr id="439" name="Shape 439"/>
+        <p:cNvPr id="438" name="Shape 438"/>
         <p:cNvGrpSpPr/>
         <p:nvPr/>
       </p:nvGrpSpPr>
@@ -26709,7 +26599,7 @@
       </p:grpSpPr>
       <p:sp>
         <p:nvSpPr>
-          <p:cNvPr id="440" name="Google Shape;440;p39"/>
+          <p:cNvPr id="439" name="Google Shape;439;p39"/>
           <p:cNvSpPr txBox="1"/>
           <p:nvPr>
             <p:ph type="title"/>
@@ -26717,7 +26607,7 @@
         </p:nvSpPr>
         <p:spPr>
           <a:xfrm>
-            <a:off x="720000" y="298075"/>
+            <a:off x="720000" y="445025"/>
             <a:ext cx="7704000" cy="572700"/>
           </a:xfrm>
           <a:prstGeom prst="rect">
@@ -26740,16 +26630,16 @@
               <a:buNone/>
             </a:pPr>
             <a:r>
-              <a:rPr lang="en" sz="2800"/>
-              <a:t>Production &amp; Transportation</a:t>
+              <a:rPr lang="en"/>
+              <a:t>Sales &amp; Office</a:t>
             </a:r>
-            <a:endParaRPr sz="2800"/>
+            <a:endParaRPr/>
           </a:p>
         </p:txBody>
       </p:sp>
       <p:pic>
         <p:nvPicPr>
-          <p:cNvPr id="441" name="Google Shape;441;p39"/>
+          <p:cNvPr id="440" name="Google Shape;440;p39"/>
           <p:cNvPicPr preferRelativeResize="0"/>
           <p:nvPr/>
         </p:nvPicPr>
@@ -26763,8 +26653,36 @@
         </p:blipFill>
         <p:spPr>
           <a:xfrm>
-            <a:off x="843100" y="870775"/>
-            <a:ext cx="7641951" cy="3820975"/>
+            <a:off x="181775" y="1309600"/>
+            <a:ext cx="4764425" cy="2406375"/>
+          </a:xfrm>
+          <a:prstGeom prst="rect">
+            <a:avLst/>
+          </a:prstGeom>
+          <a:noFill/>
+          <a:ln>
+            <a:noFill/>
+          </a:ln>
+        </p:spPr>
+      </p:pic>
+      <p:pic>
+        <p:nvPicPr>
+          <p:cNvPr id="441" name="Google Shape;441;p39"/>
+          <p:cNvPicPr preferRelativeResize="0"/>
+          <p:nvPr/>
+        </p:nvPicPr>
+        <p:blipFill>
+          <a:blip r:embed="rId4">
+            <a:alphaModFix/>
+          </a:blip>
+          <a:stretch>
+            <a:fillRect/>
+          </a:stretch>
+        </p:blipFill>
+        <p:spPr>
+          <a:xfrm>
+            <a:off x="5179190" y="1309600"/>
+            <a:ext cx="3726435" cy="2406375"/>
           </a:xfrm>
           <a:prstGeom prst="rect">
             <a:avLst/>
@@ -26856,36 +26774,8 @@
         </p:blipFill>
         <p:spPr>
           <a:xfrm>
-            <a:off x="181775" y="1309600"/>
-            <a:ext cx="4764425" cy="2406375"/>
-          </a:xfrm>
-          <a:prstGeom prst="rect">
-            <a:avLst/>
-          </a:prstGeom>
-          <a:noFill/>
-          <a:ln>
-            <a:noFill/>
-          </a:ln>
-        </p:spPr>
-      </p:pic>
-      <p:pic>
-        <p:nvPicPr>
-          <p:cNvPr id="448" name="Google Shape;448;p40"/>
-          <p:cNvPicPr preferRelativeResize="0"/>
-          <p:nvPr/>
-        </p:nvPicPr>
-        <p:blipFill>
-          <a:blip r:embed="rId4">
-            <a:alphaModFix/>
-          </a:blip>
-          <a:stretch>
-            <a:fillRect/>
-          </a:stretch>
-        </p:blipFill>
-        <p:spPr>
-          <a:xfrm>
-            <a:off x="5179190" y="1309600"/>
-            <a:ext cx="3726435" cy="2406375"/>
+            <a:off x="319188" y="1348450"/>
+            <a:ext cx="8505625" cy="2604700"/>
           </a:xfrm>
           <a:prstGeom prst="rect">
             <a:avLst/>
@@ -26909,7 +26799,7 @@
   <p:cSld>
     <p:spTree>
       <p:nvGrpSpPr>
-        <p:cNvPr id="452" name="Shape 452"/>
+        <p:cNvPr id="451" name="Shape 451"/>
         <p:cNvGrpSpPr/>
         <p:nvPr/>
       </p:nvGrpSpPr>
@@ -26923,7 +26813,7 @@
       </p:grpSpPr>
       <p:sp>
         <p:nvSpPr>
-          <p:cNvPr id="453" name="Google Shape;453;p41"/>
+          <p:cNvPr id="452" name="Google Shape;452;p41"/>
           <p:cNvSpPr txBox="1"/>
           <p:nvPr>
             <p:ph type="title"/>
@@ -26931,7 +26821,7 @@
         </p:nvSpPr>
         <p:spPr>
           <a:xfrm>
-            <a:off x="720000" y="445025"/>
+            <a:off x="720000" y="227400"/>
             <a:ext cx="7704000" cy="572700"/>
           </a:xfrm>
           <a:prstGeom prst="rect">
@@ -26954,16 +26844,16 @@
               <a:buNone/>
             </a:pPr>
             <a:r>
-              <a:rPr lang="en"/>
-              <a:t>Sales &amp; Office</a:t>
+              <a:rPr lang="en" sz="2800"/>
+              <a:t>Service</a:t>
             </a:r>
-            <a:endParaRPr/>
+            <a:endParaRPr sz="2800"/>
           </a:p>
         </p:txBody>
       </p:sp>
       <p:pic>
         <p:nvPicPr>
-          <p:cNvPr id="454" name="Google Shape;454;p41"/>
+          <p:cNvPr id="453" name="Google Shape;453;p41"/>
           <p:cNvPicPr preferRelativeResize="0"/>
           <p:nvPr/>
         </p:nvPicPr>
@@ -26977,8 +26867,8 @@
         </p:blipFill>
         <p:spPr>
           <a:xfrm>
-            <a:off x="319188" y="1348450"/>
-            <a:ext cx="8505625" cy="2604700"/>
+            <a:off x="1113375" y="732075"/>
+            <a:ext cx="7310613" cy="4038600"/>
           </a:xfrm>
           <a:prstGeom prst="rect">
             <a:avLst/>
@@ -27002,7 +26892,7 @@
   <p:cSld>
     <p:spTree>
       <p:nvGrpSpPr>
-        <p:cNvPr id="458" name="Shape 458"/>
+        <p:cNvPr id="457" name="Shape 457"/>
         <p:cNvGrpSpPr/>
         <p:nvPr/>
       </p:nvGrpSpPr>
@@ -27016,7 +26906,7 @@
       </p:grpSpPr>
       <p:sp>
         <p:nvSpPr>
-          <p:cNvPr id="459" name="Google Shape;459;p42"/>
+          <p:cNvPr id="458" name="Google Shape;458;p42"/>
           <p:cNvSpPr txBox="1"/>
           <p:nvPr>
             <p:ph type="title"/>
@@ -27024,7 +26914,7 @@
         </p:nvSpPr>
         <p:spPr>
           <a:xfrm>
-            <a:off x="720000" y="227400"/>
+            <a:off x="661200" y="335775"/>
             <a:ext cx="7704000" cy="572700"/>
           </a:xfrm>
           <a:prstGeom prst="rect">
@@ -27048,7 +26938,7 @@
             </a:pPr>
             <a:r>
               <a:rPr lang="en" sz="2800"/>
-              <a:t>Service</a:t>
+              <a:t>Overall Key Trends</a:t>
             </a:r>
             <a:endParaRPr sz="2800"/>
           </a:p>
@@ -27056,7 +26946,7 @@
       </p:sp>
       <p:pic>
         <p:nvPicPr>
-          <p:cNvPr id="460" name="Google Shape;460;p42"/>
+          <p:cNvPr id="459" name="Google Shape;459;p42"/>
           <p:cNvPicPr preferRelativeResize="0"/>
           <p:nvPr/>
         </p:nvPicPr>
@@ -27070,8 +26960,36 @@
         </p:blipFill>
         <p:spPr>
           <a:xfrm>
-            <a:off x="1113375" y="732075"/>
-            <a:ext cx="7310613" cy="4038600"/>
+            <a:off x="293950" y="834850"/>
+            <a:ext cx="4144486" cy="3471900"/>
+          </a:xfrm>
+          <a:prstGeom prst="rect">
+            <a:avLst/>
+          </a:prstGeom>
+          <a:noFill/>
+          <a:ln>
+            <a:noFill/>
+          </a:ln>
+        </p:spPr>
+      </p:pic>
+      <p:pic>
+        <p:nvPicPr>
+          <p:cNvPr id="460" name="Google Shape;460;p42"/>
+          <p:cNvPicPr preferRelativeResize="0"/>
+          <p:nvPr/>
+        </p:nvPicPr>
+        <p:blipFill>
+          <a:blip r:embed="rId4">
+            <a:alphaModFix/>
+          </a:blip>
+          <a:stretch>
+            <a:fillRect/>
+          </a:stretch>
+        </p:blipFill>
+        <p:spPr>
+          <a:xfrm>
+            <a:off x="4723125" y="834850"/>
+            <a:ext cx="4047675" cy="3471900"/>
           </a:xfrm>
           <a:prstGeom prst="rect">
             <a:avLst/>
@@ -27117,127 +27035,6 @@
         </p:nvSpPr>
         <p:spPr>
           <a:xfrm>
-            <a:off x="661200" y="335775"/>
-            <a:ext cx="7704000" cy="572700"/>
-          </a:xfrm>
-          <a:prstGeom prst="rect">
-            <a:avLst/>
-          </a:prstGeom>
-        </p:spPr>
-        <p:txBody>
-          <a:bodyPr anchorCtr="0" anchor="ctr" bIns="91425" lIns="91425" spcFirstLastPara="1" rIns="91425" wrap="square" tIns="91425">
-            <a:noAutofit/>
-          </a:bodyPr>
-          <a:lstStyle/>
-          <a:p>
-            <a:pPr indent="0" lvl="0" marL="0" rtl="0" algn="ctr">
-              <a:spcBef>
-                <a:spcPts val="0"/>
-              </a:spcBef>
-              <a:spcAft>
-                <a:spcPts val="0"/>
-              </a:spcAft>
-              <a:buNone/>
-            </a:pPr>
-            <a:r>
-              <a:rPr lang="en" sz="2800"/>
-              <a:t>Overall Key Trends</a:t>
-            </a:r>
-            <a:endParaRPr sz="2800"/>
-          </a:p>
-        </p:txBody>
-      </p:sp>
-      <p:pic>
-        <p:nvPicPr>
-          <p:cNvPr id="466" name="Google Shape;466;p43"/>
-          <p:cNvPicPr preferRelativeResize="0"/>
-          <p:nvPr/>
-        </p:nvPicPr>
-        <p:blipFill>
-          <a:blip r:embed="rId3">
-            <a:alphaModFix/>
-          </a:blip>
-          <a:stretch>
-            <a:fillRect/>
-          </a:stretch>
-        </p:blipFill>
-        <p:spPr>
-          <a:xfrm>
-            <a:off x="293950" y="834850"/>
-            <a:ext cx="4144486" cy="3471900"/>
-          </a:xfrm>
-          <a:prstGeom prst="rect">
-            <a:avLst/>
-          </a:prstGeom>
-          <a:noFill/>
-          <a:ln>
-            <a:noFill/>
-          </a:ln>
-        </p:spPr>
-      </p:pic>
-      <p:pic>
-        <p:nvPicPr>
-          <p:cNvPr id="467" name="Google Shape;467;p43"/>
-          <p:cNvPicPr preferRelativeResize="0"/>
-          <p:nvPr/>
-        </p:nvPicPr>
-        <p:blipFill>
-          <a:blip r:embed="rId4">
-            <a:alphaModFix/>
-          </a:blip>
-          <a:stretch>
-            <a:fillRect/>
-          </a:stretch>
-        </p:blipFill>
-        <p:spPr>
-          <a:xfrm>
-            <a:off x="4723125" y="834850"/>
-            <a:ext cx="4047675" cy="3471900"/>
-          </a:xfrm>
-          <a:prstGeom prst="rect">
-            <a:avLst/>
-          </a:prstGeom>
-          <a:noFill/>
-          <a:ln>
-            <a:noFill/>
-          </a:ln>
-        </p:spPr>
-      </p:pic>
-    </p:spTree>
-  </p:cSld>
-  <p:clrMapOvr>
-    <a:masterClrMapping/>
-  </p:clrMapOvr>
-</p:sld>
-</file>
-
-<file path=ppt/slides/slide19.xml><?xml version="1.0" encoding="utf-8"?>
-<p:sld xmlns:a="http://schemas.openxmlformats.org/drawingml/2006/main" xmlns:r="http://schemas.openxmlformats.org/officeDocument/2006/relationships" xmlns:mc="http://schemas.openxmlformats.org/markup-compatibility/2006" xmlns:mv="urn:schemas-microsoft-com:mac:vml" xmlns:p="http://schemas.openxmlformats.org/presentationml/2006/main" xmlns:c="http://schemas.openxmlformats.org/drawingml/2006/chart" xmlns:dgm="http://schemas.openxmlformats.org/drawingml/2006/diagram" xmlns:o="urn:schemas-microsoft-com:office:office" xmlns:v="urn:schemas-microsoft-com:vml" xmlns:pvml="urn:schemas-microsoft-com:office:powerpoint" xmlns:com="http://schemas.openxmlformats.org/drawingml/2006/compatibility" xmlns:p14="http://schemas.microsoft.com/office/powerpoint/2010/main" xmlns:p15="http://schemas.microsoft.com/office/powerpoint/2012/main" xmlns:ahyp="http://schemas.microsoft.com/office/drawing/2018/hyperlinkcolor">
-  <p:cSld>
-    <p:spTree>
-      <p:nvGrpSpPr>
-        <p:cNvPr id="471" name="Shape 471"/>
-        <p:cNvGrpSpPr/>
-        <p:nvPr/>
-      </p:nvGrpSpPr>
-      <p:grpSpPr>
-        <a:xfrm>
-          <a:off x="0" y="0"/>
-          <a:ext cx="0" cy="0"/>
-          <a:chOff x="0" y="0"/>
-          <a:chExt cx="0" cy="0"/>
-        </a:xfrm>
-      </p:grpSpPr>
-      <p:sp>
-        <p:nvSpPr>
-          <p:cNvPr id="472" name="Google Shape;472;p44"/>
-          <p:cNvSpPr txBox="1"/>
-          <p:nvPr>
-            <p:ph type="title"/>
-          </p:nvPr>
-        </p:nvSpPr>
-        <p:spPr>
-          <a:xfrm>
             <a:off x="720000" y="268700"/>
             <a:ext cx="7704000" cy="572700"/>
           </a:xfrm>
@@ -27270,7 +27067,7 @@
       </p:sp>
       <p:sp>
         <p:nvSpPr>
-          <p:cNvPr id="473" name="Google Shape;473;p44"/>
+          <p:cNvPr id="466" name="Google Shape;466;p43"/>
           <p:cNvSpPr txBox="1"/>
           <p:nvPr>
             <p:ph idx="4294967295" type="body"/>
@@ -27593,6 +27390,71 @@
               <a:cs typeface="Times New Roman"/>
               <a:sym typeface="Times New Roman"/>
             </a:endParaRPr>
+          </a:p>
+        </p:txBody>
+      </p:sp>
+    </p:spTree>
+  </p:cSld>
+  <p:clrMapOvr>
+    <a:masterClrMapping/>
+  </p:clrMapOvr>
+</p:sld>
+</file>
+
+<file path=ppt/slides/slide19.xml><?xml version="1.0" encoding="utf-8"?>
+<p:sld xmlns:a="http://schemas.openxmlformats.org/drawingml/2006/main" xmlns:r="http://schemas.openxmlformats.org/officeDocument/2006/relationships" xmlns:mc="http://schemas.openxmlformats.org/markup-compatibility/2006" xmlns:mv="urn:schemas-microsoft-com:mac:vml" xmlns:p="http://schemas.openxmlformats.org/presentationml/2006/main" xmlns:c="http://schemas.openxmlformats.org/drawingml/2006/chart" xmlns:dgm="http://schemas.openxmlformats.org/drawingml/2006/diagram" xmlns:o="urn:schemas-microsoft-com:office:office" xmlns:v="urn:schemas-microsoft-com:vml" xmlns:pvml="urn:schemas-microsoft-com:office:powerpoint" xmlns:com="http://schemas.openxmlformats.org/drawingml/2006/compatibility" xmlns:p14="http://schemas.microsoft.com/office/powerpoint/2010/main" xmlns:p15="http://schemas.microsoft.com/office/powerpoint/2012/main" xmlns:ahyp="http://schemas.microsoft.com/office/drawing/2018/hyperlinkcolor">
+  <p:cSld>
+    <p:spTree>
+      <p:nvGrpSpPr>
+        <p:cNvPr id="470" name="Shape 470"/>
+        <p:cNvGrpSpPr/>
+        <p:nvPr/>
+      </p:nvGrpSpPr>
+      <p:grpSpPr>
+        <a:xfrm>
+          <a:off x="0" y="0"/>
+          <a:ext cx="0" cy="0"/>
+          <a:chOff x="0" y="0"/>
+          <a:chExt cx="0" cy="0"/>
+        </a:xfrm>
+      </p:grpSpPr>
+      <p:sp>
+        <p:nvSpPr>
+          <p:cNvPr id="471" name="Google Shape;471;p44"/>
+          <p:cNvSpPr txBox="1"/>
+          <p:nvPr>
+            <p:ph type="title"/>
+          </p:nvPr>
+        </p:nvSpPr>
+        <p:spPr>
+          <a:xfrm>
+            <a:off x="510450" y="2057400"/>
+            <a:ext cx="8123100" cy="778800"/>
+          </a:xfrm>
+          <a:prstGeom prst="rect">
+            <a:avLst/>
+          </a:prstGeom>
+        </p:spPr>
+        <p:txBody>
+          <a:bodyPr anchorCtr="0" anchor="b" bIns="91425" lIns="91425" spcFirstLastPara="1" rIns="91425" wrap="square" tIns="91425">
+            <a:noAutofit/>
+          </a:bodyPr>
+          <a:lstStyle/>
+          <a:p>
+            <a:pPr indent="0" lvl="0" marL="0" rtl="0" algn="ctr">
+              <a:spcBef>
+                <a:spcPts val="0"/>
+              </a:spcBef>
+              <a:spcAft>
+                <a:spcPts val="0"/>
+              </a:spcAft>
+              <a:buNone/>
+            </a:pPr>
+            <a:r>
+              <a:rPr lang="en"/>
+              <a:t>Q&amp;A</a:t>
+            </a:r>
+            <a:endParaRPr/>
           </a:p>
         </p:txBody>
       </p:sp>
@@ -27834,71 +27696,6 @@
               <a:cs typeface="Times New Roman"/>
               <a:sym typeface="Times New Roman"/>
             </a:endParaRPr>
-          </a:p>
-        </p:txBody>
-      </p:sp>
-    </p:spTree>
-  </p:cSld>
-  <p:clrMapOvr>
-    <a:masterClrMapping/>
-  </p:clrMapOvr>
-</p:sld>
-</file>
-
-<file path=ppt/slides/slide20.xml><?xml version="1.0" encoding="utf-8"?>
-<p:sld xmlns:a="http://schemas.openxmlformats.org/drawingml/2006/main" xmlns:r="http://schemas.openxmlformats.org/officeDocument/2006/relationships" xmlns:mc="http://schemas.openxmlformats.org/markup-compatibility/2006" xmlns:mv="urn:schemas-microsoft-com:mac:vml" xmlns:p="http://schemas.openxmlformats.org/presentationml/2006/main" xmlns:c="http://schemas.openxmlformats.org/drawingml/2006/chart" xmlns:dgm="http://schemas.openxmlformats.org/drawingml/2006/diagram" xmlns:o="urn:schemas-microsoft-com:office:office" xmlns:v="urn:schemas-microsoft-com:vml" xmlns:pvml="urn:schemas-microsoft-com:office:powerpoint" xmlns:com="http://schemas.openxmlformats.org/drawingml/2006/compatibility" xmlns:p14="http://schemas.microsoft.com/office/powerpoint/2010/main" xmlns:p15="http://schemas.microsoft.com/office/powerpoint/2012/main" xmlns:ahyp="http://schemas.microsoft.com/office/drawing/2018/hyperlinkcolor">
-  <p:cSld>
-    <p:spTree>
-      <p:nvGrpSpPr>
-        <p:cNvPr id="477" name="Shape 477"/>
-        <p:cNvGrpSpPr/>
-        <p:nvPr/>
-      </p:nvGrpSpPr>
-      <p:grpSpPr>
-        <a:xfrm>
-          <a:off x="0" y="0"/>
-          <a:ext cx="0" cy="0"/>
-          <a:chOff x="0" y="0"/>
-          <a:chExt cx="0" cy="0"/>
-        </a:xfrm>
-      </p:grpSpPr>
-      <p:sp>
-        <p:nvSpPr>
-          <p:cNvPr id="478" name="Google Shape;478;p45"/>
-          <p:cNvSpPr txBox="1"/>
-          <p:nvPr>
-            <p:ph type="title"/>
-          </p:nvPr>
-        </p:nvSpPr>
-        <p:spPr>
-          <a:xfrm>
-            <a:off x="510450" y="2057400"/>
-            <a:ext cx="8123100" cy="778800"/>
-          </a:xfrm>
-          <a:prstGeom prst="rect">
-            <a:avLst/>
-          </a:prstGeom>
-        </p:spPr>
-        <p:txBody>
-          <a:bodyPr anchorCtr="0" anchor="b" bIns="91425" lIns="91425" spcFirstLastPara="1" rIns="91425" wrap="square" tIns="91425">
-            <a:noAutofit/>
-          </a:bodyPr>
-          <a:lstStyle/>
-          <a:p>
-            <a:pPr indent="0" lvl="0" marL="0" rtl="0" algn="ctr">
-              <a:spcBef>
-                <a:spcPts val="0"/>
-              </a:spcBef>
-              <a:spcAft>
-                <a:spcPts val="0"/>
-              </a:spcAft>
-              <a:buNone/>
-            </a:pPr>
-            <a:r>
-              <a:rPr lang="en"/>
-              <a:t>Q&amp;A</a:t>
-            </a:r>
-            <a:endParaRPr/>
           </a:p>
         </p:txBody>
       </p:sp>
@@ -29157,129 +28954,9 @@
           <a:chExt cx="0" cy="0"/>
         </a:xfrm>
       </p:grpSpPr>
-      <p:sp>
-        <p:nvSpPr>
-          <p:cNvPr id="396" name="Google Shape;396;p32"/>
-          <p:cNvSpPr txBox="1"/>
-          <p:nvPr>
-            <p:ph type="title"/>
-          </p:nvPr>
-        </p:nvSpPr>
-        <p:spPr>
-          <a:xfrm>
-            <a:off x="661200" y="232925"/>
-            <a:ext cx="7704000" cy="572700"/>
-          </a:xfrm>
-          <a:prstGeom prst="rect">
-            <a:avLst/>
-          </a:prstGeom>
-        </p:spPr>
-        <p:txBody>
-          <a:bodyPr anchorCtr="0" anchor="ctr" bIns="91425" lIns="91425" spcFirstLastPara="1" rIns="91425" wrap="square" tIns="91425">
-            <a:noAutofit/>
-          </a:bodyPr>
-          <a:lstStyle/>
-          <a:p>
-            <a:pPr indent="0" lvl="0" marL="0" rtl="0" algn="ctr">
-              <a:spcBef>
-                <a:spcPts val="0"/>
-              </a:spcBef>
-              <a:spcAft>
-                <a:spcPts val="0"/>
-              </a:spcAft>
-              <a:buNone/>
-            </a:pPr>
-            <a:r>
-              <a:t/>
-            </a:r>
-            <a:endParaRPr sz="2800"/>
-          </a:p>
-        </p:txBody>
-      </p:sp>
       <p:pic>
         <p:nvPicPr>
-          <p:cNvPr id="397" name="Google Shape;397;p32"/>
-          <p:cNvPicPr preferRelativeResize="0"/>
-          <p:nvPr/>
-        </p:nvPicPr>
-        <p:blipFill>
-          <a:blip r:embed="rId4">
-            <a:alphaModFix/>
-          </a:blip>
-          <a:stretch>
-            <a:fillRect/>
-          </a:stretch>
-        </p:blipFill>
-        <p:spPr>
-          <a:xfrm>
-            <a:off x="293950" y="834850"/>
-            <a:ext cx="4144486" cy="3471900"/>
-          </a:xfrm>
-          <a:prstGeom prst="rect">
-            <a:avLst/>
-          </a:prstGeom>
-          <a:noFill/>
-          <a:ln>
-            <a:noFill/>
-          </a:ln>
-        </p:spPr>
-      </p:pic>
-      <p:pic>
-        <p:nvPicPr>
-          <p:cNvPr id="398" name="Google Shape;398;p32"/>
-          <p:cNvPicPr preferRelativeResize="0"/>
-          <p:nvPr/>
-        </p:nvPicPr>
-        <p:blipFill>
-          <a:blip r:embed="rId5">
-            <a:alphaModFix/>
-          </a:blip>
-          <a:stretch>
-            <a:fillRect/>
-          </a:stretch>
-        </p:blipFill>
-        <p:spPr>
-          <a:xfrm>
-            <a:off x="4723125" y="834850"/>
-            <a:ext cx="4047675" cy="3471900"/>
-          </a:xfrm>
-          <a:prstGeom prst="rect">
-            <a:avLst/>
-          </a:prstGeom>
-          <a:noFill/>
-          <a:ln>
-            <a:noFill/>
-          </a:ln>
-        </p:spPr>
-      </p:pic>
-    </p:spTree>
-  </p:cSld>
-  <p:clrMapOvr>
-    <a:masterClrMapping/>
-  </p:clrMapOvr>
-</p:sld>
-</file>
-
-<file path=ppt/slides/slide8.xml><?xml version="1.0" encoding="utf-8"?>
-<p:sld xmlns:a="http://schemas.openxmlformats.org/drawingml/2006/main" xmlns:r="http://schemas.openxmlformats.org/officeDocument/2006/relationships" xmlns:mc="http://schemas.openxmlformats.org/markup-compatibility/2006" xmlns:mv="urn:schemas-microsoft-com:mac:vml" xmlns:p="http://schemas.openxmlformats.org/presentationml/2006/main" xmlns:c="http://schemas.openxmlformats.org/drawingml/2006/chart" xmlns:dgm="http://schemas.openxmlformats.org/drawingml/2006/diagram" xmlns:o="urn:schemas-microsoft-com:office:office" xmlns:v="urn:schemas-microsoft-com:vml" xmlns:pvml="urn:schemas-microsoft-com:office:powerpoint" xmlns:com="http://schemas.openxmlformats.org/drawingml/2006/compatibility" xmlns:p14="http://schemas.microsoft.com/office/powerpoint/2010/main" xmlns:p15="http://schemas.microsoft.com/office/powerpoint/2012/main" xmlns:ahyp="http://schemas.microsoft.com/office/drawing/2018/hyperlinkcolor">
-  <p:cSld>
-    <p:spTree>
-      <p:nvGrpSpPr>
-        <p:cNvPr id="402" name="Shape 402"/>
-        <p:cNvGrpSpPr/>
-        <p:nvPr/>
-      </p:nvGrpSpPr>
-      <p:grpSpPr>
-        <a:xfrm>
-          <a:off x="0" y="0"/>
-          <a:ext cx="0" cy="0"/>
-          <a:chOff x="0" y="0"/>
-          <a:chExt cx="0" cy="0"/>
-        </a:xfrm>
-      </p:grpSpPr>
-      <p:pic>
-        <p:nvPicPr>
-          <p:cNvPr id="403" name="Google Shape;403;p33"/>
+          <p:cNvPr id="396" name="Google Shape;396;p32"/>
           <p:cNvPicPr preferRelativeResize="0"/>
           <p:nvPr/>
         </p:nvPicPr>
@@ -29307,7 +28984,7 @@
       </p:pic>
       <p:sp>
         <p:nvSpPr>
-          <p:cNvPr id="404" name="Google Shape;404;p33"/>
+          <p:cNvPr id="397" name="Google Shape;397;p32"/>
           <p:cNvSpPr txBox="1"/>
           <p:nvPr/>
         </p:nvSpPr>
@@ -29413,12 +29090,12 @@
 </p:sld>
 </file>
 
-<file path=ppt/slides/slide9.xml><?xml version="1.0" encoding="utf-8"?>
+<file path=ppt/slides/slide8.xml><?xml version="1.0" encoding="utf-8"?>
 <p:sld xmlns:a="http://schemas.openxmlformats.org/drawingml/2006/main" xmlns:r="http://schemas.openxmlformats.org/officeDocument/2006/relationships" xmlns:mc="http://schemas.openxmlformats.org/markup-compatibility/2006" xmlns:mv="urn:schemas-microsoft-com:mac:vml" xmlns:p="http://schemas.openxmlformats.org/presentationml/2006/main" xmlns:c="http://schemas.openxmlformats.org/drawingml/2006/chart" xmlns:dgm="http://schemas.openxmlformats.org/drawingml/2006/diagram" xmlns:o="urn:schemas-microsoft-com:office:office" xmlns:v="urn:schemas-microsoft-com:vml" xmlns:pvml="urn:schemas-microsoft-com:office:powerpoint" xmlns:com="http://schemas.openxmlformats.org/drawingml/2006/compatibility" xmlns:p14="http://schemas.microsoft.com/office/powerpoint/2010/main" xmlns:p15="http://schemas.microsoft.com/office/powerpoint/2012/main" xmlns:ahyp="http://schemas.microsoft.com/office/drawing/2018/hyperlinkcolor">
   <p:cSld>
     <p:spTree>
       <p:nvGrpSpPr>
-        <p:cNvPr id="408" name="Shape 408"/>
+        <p:cNvPr id="401" name="Shape 401"/>
         <p:cNvGrpSpPr/>
         <p:nvPr/>
       </p:nvGrpSpPr>
@@ -29432,7 +29109,7 @@
       </p:grpSpPr>
       <p:pic>
         <p:nvPicPr>
-          <p:cNvPr id="409" name="Google Shape;409;p34"/>
+          <p:cNvPr id="402" name="Google Shape;402;p33"/>
           <p:cNvPicPr preferRelativeResize="0"/>
           <p:nvPr/>
         </p:nvPicPr>
@@ -29448,6 +29125,99 @@
           <a:xfrm>
             <a:off x="575402" y="734775"/>
             <a:ext cx="8315125" cy="3629850"/>
+          </a:xfrm>
+          <a:prstGeom prst="rect">
+            <a:avLst/>
+          </a:prstGeom>
+          <a:noFill/>
+          <a:ln>
+            <a:noFill/>
+          </a:ln>
+        </p:spPr>
+      </p:pic>
+    </p:spTree>
+  </p:cSld>
+  <p:clrMapOvr>
+    <a:masterClrMapping/>
+  </p:clrMapOvr>
+</p:sld>
+</file>
+
+<file path=ppt/slides/slide9.xml><?xml version="1.0" encoding="utf-8"?>
+<p:sld xmlns:a="http://schemas.openxmlformats.org/drawingml/2006/main" xmlns:r="http://schemas.openxmlformats.org/officeDocument/2006/relationships" xmlns:mc="http://schemas.openxmlformats.org/markup-compatibility/2006" xmlns:mv="urn:schemas-microsoft-com:mac:vml" xmlns:p="http://schemas.openxmlformats.org/presentationml/2006/main" xmlns:c="http://schemas.openxmlformats.org/drawingml/2006/chart" xmlns:dgm="http://schemas.openxmlformats.org/drawingml/2006/diagram" xmlns:o="urn:schemas-microsoft-com:office:office" xmlns:v="urn:schemas-microsoft-com:vml" xmlns:pvml="urn:schemas-microsoft-com:office:powerpoint" xmlns:com="http://schemas.openxmlformats.org/drawingml/2006/compatibility" xmlns:p14="http://schemas.microsoft.com/office/powerpoint/2010/main" xmlns:p15="http://schemas.microsoft.com/office/powerpoint/2012/main" xmlns:ahyp="http://schemas.microsoft.com/office/drawing/2018/hyperlinkcolor">
+  <p:cSld>
+    <p:spTree>
+      <p:nvGrpSpPr>
+        <p:cNvPr id="406" name="Shape 406"/>
+        <p:cNvGrpSpPr/>
+        <p:nvPr/>
+      </p:nvGrpSpPr>
+      <p:grpSpPr>
+        <a:xfrm>
+          <a:off x="0" y="0"/>
+          <a:ext cx="0" cy="0"/>
+          <a:chOff x="0" y="0"/>
+          <a:chExt cx="0" cy="0"/>
+        </a:xfrm>
+      </p:grpSpPr>
+      <p:sp>
+        <p:nvSpPr>
+          <p:cNvPr id="407" name="Google Shape;407;p34"/>
+          <p:cNvSpPr txBox="1"/>
+          <p:nvPr>
+            <p:ph type="title"/>
+          </p:nvPr>
+        </p:nvSpPr>
+        <p:spPr>
+          <a:xfrm>
+            <a:off x="720000" y="430375"/>
+            <a:ext cx="7704000" cy="572700"/>
+          </a:xfrm>
+          <a:prstGeom prst="rect">
+            <a:avLst/>
+          </a:prstGeom>
+        </p:spPr>
+        <p:txBody>
+          <a:bodyPr anchorCtr="0" anchor="ctr" bIns="91425" lIns="91425" spcFirstLastPara="1" rIns="91425" wrap="square" tIns="91425">
+            <a:noAutofit/>
+          </a:bodyPr>
+          <a:lstStyle/>
+          <a:p>
+            <a:pPr indent="0" lvl="0" marL="0" rtl="0" algn="l">
+              <a:spcBef>
+                <a:spcPts val="0"/>
+              </a:spcBef>
+              <a:spcAft>
+                <a:spcPts val="0"/>
+              </a:spcAft>
+              <a:buNone/>
+            </a:pPr>
+            <a:r>
+              <a:rPr lang="en"/>
+              <a:t>Management, Business, Science &amp; Art</a:t>
+            </a:r>
+            <a:endParaRPr/>
+          </a:p>
+        </p:txBody>
+      </p:sp>
+      <p:pic>
+        <p:nvPicPr>
+          <p:cNvPr id="408" name="Google Shape;408;p34"/>
+          <p:cNvPicPr preferRelativeResize="0"/>
+          <p:nvPr/>
+        </p:nvPicPr>
+        <p:blipFill>
+          <a:blip r:embed="rId3">
+            <a:alphaModFix/>
+          </a:blip>
+          <a:stretch>
+            <a:fillRect/>
+          </a:stretch>
+        </p:blipFill>
+        <p:spPr>
+          <a:xfrm>
+            <a:off x="338138" y="1003075"/>
+            <a:ext cx="8467725" cy="3314700"/>
           </a:xfrm>
           <a:prstGeom prst="rect">
             <a:avLst/>

--- a/Final Presentation Group 4 Job Market Trends.pptx
+++ b/Final Presentation Group 4 Job Market Trends.pptx
@@ -28825,7 +28825,7 @@
         <p:spPr>
           <a:xfrm>
             <a:off x="4120525" y="2023500"/>
-            <a:ext cx="4808351" cy="2433175"/>
+            <a:ext cx="4808349" cy="2433175"/>
           </a:xfrm>
           <a:prstGeom prst="rect">
             <a:avLst/>
